--- a/Chapter_1/Java Course.pptx
+++ b/Chapter_1/Java Course.pptx
@@ -311,7 +311,7 @@
             <a:fld id="{E8F965D9-2D0D-450C-B875-BE0C08FDA829}" type="datetimeFigureOut">
               <a:rPr lang="en-US" smtClean="0"/>
               <a:pPr/>
-              <a:t>5/11/2022</a:t>
+              <a:t>5/21/2022</a:t>
             </a:fld>
             <a:endParaRPr lang="en-US"/>
           </a:p>
@@ -478,7 +478,7 @@
             <a:fld id="{E8F965D9-2D0D-450C-B875-BE0C08FDA829}" type="datetimeFigureOut">
               <a:rPr lang="en-US" smtClean="0"/>
               <a:pPr/>
-              <a:t>5/11/2022</a:t>
+              <a:t>5/21/2022</a:t>
             </a:fld>
             <a:endParaRPr lang="en-US"/>
           </a:p>
@@ -655,7 +655,7 @@
             <a:fld id="{E8F965D9-2D0D-450C-B875-BE0C08FDA829}" type="datetimeFigureOut">
               <a:rPr lang="en-US" smtClean="0"/>
               <a:pPr/>
-              <a:t>5/11/2022</a:t>
+              <a:t>5/21/2022</a:t>
             </a:fld>
             <a:endParaRPr lang="en-US"/>
           </a:p>
@@ -822,7 +822,7 @@
             <a:fld id="{E8F965D9-2D0D-450C-B875-BE0C08FDA829}" type="datetimeFigureOut">
               <a:rPr lang="en-US" smtClean="0"/>
               <a:pPr/>
-              <a:t>5/11/2022</a:t>
+              <a:t>5/21/2022</a:t>
             </a:fld>
             <a:endParaRPr lang="en-US"/>
           </a:p>
@@ -1065,7 +1065,7 @@
             <a:fld id="{E8F965D9-2D0D-450C-B875-BE0C08FDA829}" type="datetimeFigureOut">
               <a:rPr lang="en-US" smtClean="0"/>
               <a:pPr/>
-              <a:t>5/11/2022</a:t>
+              <a:t>5/21/2022</a:t>
             </a:fld>
             <a:endParaRPr lang="en-US"/>
           </a:p>
@@ -1350,7 +1350,7 @@
             <a:fld id="{E8F965D9-2D0D-450C-B875-BE0C08FDA829}" type="datetimeFigureOut">
               <a:rPr lang="en-US" smtClean="0"/>
               <a:pPr/>
-              <a:t>5/11/2022</a:t>
+              <a:t>5/21/2022</a:t>
             </a:fld>
             <a:endParaRPr lang="en-US"/>
           </a:p>
@@ -1769,7 +1769,7 @@
             <a:fld id="{E8F965D9-2D0D-450C-B875-BE0C08FDA829}" type="datetimeFigureOut">
               <a:rPr lang="en-US" smtClean="0"/>
               <a:pPr/>
-              <a:t>5/11/2022</a:t>
+              <a:t>5/21/2022</a:t>
             </a:fld>
             <a:endParaRPr lang="en-US"/>
           </a:p>
@@ -1884,7 +1884,7 @@
             <a:fld id="{E8F965D9-2D0D-450C-B875-BE0C08FDA829}" type="datetimeFigureOut">
               <a:rPr lang="en-US" smtClean="0"/>
               <a:pPr/>
-              <a:t>5/11/2022</a:t>
+              <a:t>5/21/2022</a:t>
             </a:fld>
             <a:endParaRPr lang="en-US"/>
           </a:p>
@@ -1976,7 +1976,7 @@
             <a:fld id="{E8F965D9-2D0D-450C-B875-BE0C08FDA829}" type="datetimeFigureOut">
               <a:rPr lang="en-US" smtClean="0"/>
               <a:pPr/>
-              <a:t>5/11/2022</a:t>
+              <a:t>5/21/2022</a:t>
             </a:fld>
             <a:endParaRPr lang="en-US"/>
           </a:p>
@@ -2250,7 +2250,7 @@
             <a:fld id="{E8F965D9-2D0D-450C-B875-BE0C08FDA829}" type="datetimeFigureOut">
               <a:rPr lang="en-US" smtClean="0"/>
               <a:pPr/>
-              <a:t>5/11/2022</a:t>
+              <a:t>5/21/2022</a:t>
             </a:fld>
             <a:endParaRPr lang="en-US"/>
           </a:p>
@@ -2500,7 +2500,7 @@
             <a:fld id="{E8F965D9-2D0D-450C-B875-BE0C08FDA829}" type="datetimeFigureOut">
               <a:rPr lang="en-US" smtClean="0"/>
               <a:pPr/>
-              <a:t>5/11/2022</a:t>
+              <a:t>5/21/2022</a:t>
             </a:fld>
             <a:endParaRPr lang="en-US"/>
           </a:p>
@@ -2710,7 +2710,7 @@
             <a:fld id="{E8F965D9-2D0D-450C-B875-BE0C08FDA829}" type="datetimeFigureOut">
               <a:rPr lang="en-US" smtClean="0"/>
               <a:pPr/>
-              <a:t>5/11/2022</a:t>
+              <a:t>5/21/2022</a:t>
             </a:fld>
             <a:endParaRPr lang="en-US"/>
           </a:p>
@@ -3897,7 +3897,7 @@
         </p:nvGraphicFramePr>
         <p:xfrm>
           <a:off x="1142999" y="1397000"/>
-          <a:ext cx="7315200" cy="4764294"/>
+          <a:ext cx="7315200" cy="4848492"/>
         </p:xfrm>
         <a:graphic>
           <a:graphicData uri="http://schemas.openxmlformats.org/drawingml/2006/table">
@@ -7222,90 +7222,6 @@
               <a:buNone/>
             </a:pPr>
             <a:r>
-              <a:rPr lang="en-US" sz="1400" b="1" dirty="0" smtClean="0">
-                <a:latin typeface="Times New Roman" pitchFamily="18" charset="0"/>
-                <a:cs typeface="Times New Roman" pitchFamily="18" charset="0"/>
-              </a:rPr>
-              <a:t>final</a:t>
-            </a:r>
-            <a:r>
-              <a:rPr lang="en-US" sz="1400" dirty="0" smtClean="0">
-                <a:latin typeface="Times New Roman" pitchFamily="18" charset="0"/>
-                <a:cs typeface="Times New Roman" pitchFamily="18" charset="0"/>
-              </a:rPr>
-              <a:t> </a:t>
-            </a:r>
-            <a:r>
-              <a:rPr lang="en-US" sz="1400" b="1" dirty="0" err="1" smtClean="0">
-                <a:latin typeface="Times New Roman" pitchFamily="18" charset="0"/>
-                <a:cs typeface="Times New Roman" pitchFamily="18" charset="0"/>
-              </a:rPr>
-              <a:t>strictfp</a:t>
-            </a:r>
-            <a:r>
-              <a:rPr lang="en-US" sz="1400" dirty="0" smtClean="0">
-                <a:latin typeface="Times New Roman" pitchFamily="18" charset="0"/>
-                <a:cs typeface="Times New Roman" pitchFamily="18" charset="0"/>
-              </a:rPr>
-              <a:t> </a:t>
-            </a:r>
-            <a:r>
-              <a:rPr lang="en-US" sz="1400" b="1" dirty="0" smtClean="0">
-                <a:latin typeface="Times New Roman" pitchFamily="18" charset="0"/>
-                <a:cs typeface="Times New Roman" pitchFamily="18" charset="0"/>
-              </a:rPr>
-              <a:t>public</a:t>
-            </a:r>
-            <a:r>
-              <a:rPr lang="en-US" sz="1400" dirty="0" smtClean="0">
-                <a:latin typeface="Times New Roman" pitchFamily="18" charset="0"/>
-                <a:cs typeface="Times New Roman" pitchFamily="18" charset="0"/>
-              </a:rPr>
-              <a:t> </a:t>
-            </a:r>
-            <a:r>
-              <a:rPr lang="en-US" sz="1400" b="1" dirty="0" smtClean="0">
-                <a:latin typeface="Times New Roman" pitchFamily="18" charset="0"/>
-                <a:cs typeface="Times New Roman" pitchFamily="18" charset="0"/>
-              </a:rPr>
-              <a:t>static</a:t>
-            </a:r>
-            <a:r>
-              <a:rPr lang="en-US" sz="1400" dirty="0" smtClean="0">
-                <a:latin typeface="Times New Roman" pitchFamily="18" charset="0"/>
-                <a:cs typeface="Times New Roman" pitchFamily="18" charset="0"/>
-              </a:rPr>
-              <a:t> </a:t>
-            </a:r>
-            <a:r>
-              <a:rPr lang="en-US" sz="1400" b="1" dirty="0" smtClean="0">
-                <a:latin typeface="Times New Roman" pitchFamily="18" charset="0"/>
-                <a:cs typeface="Times New Roman" pitchFamily="18" charset="0"/>
-              </a:rPr>
-              <a:t>void</a:t>
-            </a:r>
-            <a:r>
-              <a:rPr lang="en-US" sz="1400" dirty="0" smtClean="0">
-                <a:latin typeface="Times New Roman" pitchFamily="18" charset="0"/>
-                <a:cs typeface="Times New Roman" pitchFamily="18" charset="0"/>
-              </a:rPr>
-              <a:t> main(String[] </a:t>
-            </a:r>
-            <a:r>
-              <a:rPr lang="en-US" sz="1400" dirty="0" err="1" smtClean="0">
-                <a:latin typeface="Times New Roman" pitchFamily="18" charset="0"/>
-                <a:cs typeface="Times New Roman" pitchFamily="18" charset="0"/>
-              </a:rPr>
-              <a:t>args</a:t>
-            </a:r>
-            <a:r>
-              <a:rPr lang="en-US" sz="1400" dirty="0" smtClean="0">
-                <a:latin typeface="Times New Roman" pitchFamily="18" charset="0"/>
-                <a:cs typeface="Times New Roman" pitchFamily="18" charset="0"/>
-              </a:rPr>
-              <a:t>) </a:t>
-            </a:r>
-            <a:r>
               <a:rPr lang="en-US" dirty="0" smtClean="0"/>
               <a:t> </a:t>
             </a:r>
@@ -7551,48 +7467,33 @@
               <a:rPr lang="en-US" sz="1200" b="1" dirty="0" smtClean="0"/>
               <a:t> </a:t>
             </a:r>
-            <a:r>
-              <a:rPr lang="en-US" sz="1200" b="1" u="sng" dirty="0" smtClean="0">
-                <a:hlinkClick r:id="rId2"/>
-              </a:rPr>
-              <a:t>JVM</a:t>
-            </a:r>
-            <a:r>
-              <a:rPr lang="en-US" sz="1200" u="sng" dirty="0" smtClean="0">
-                <a:hlinkClick r:id="rId2"/>
-              </a:rPr>
-              <a:t> (</a:t>
-            </a:r>
-            <a:r>
-              <a:rPr lang="en-US" sz="1200" b="1" u="sng" dirty="0" smtClean="0">
-                <a:hlinkClick r:id="rId2"/>
-              </a:rPr>
-              <a:t>Java Virtual Machine)</a:t>
-            </a:r>
-            <a:r>
-              <a:rPr lang="en-US" sz="1200" b="1" dirty="0" smtClean="0"/>
-              <a:t> </a:t>
-            </a:r>
+            <a:endParaRPr lang="en-US" sz="1200" b="1" u="sng" dirty="0" smtClean="0"/>
+          </a:p>
+          <a:p>
+            <a:pPr fontAlgn="base">
+              <a:buNone/>
+            </a:pPr>
             <a:r>
               <a:rPr lang="en-US" sz="1200" dirty="0" smtClean="0"/>
-              <a:t>is a very important part of both JDK and JRE because it is contained or inbuilt in both. Whatever Java program you run using JRE or JDK goes into JVM and JVM is responsible for executing the java program line by line, hence it is also known as an </a:t>
-            </a:r>
-            <a:r>
-              <a:rPr lang="en-US" sz="1200" b="1" u="sng" dirty="0" smtClean="0">
-                <a:hlinkClick r:id="rId3"/>
-              </a:rPr>
-              <a:t>i</a:t>
-            </a:r>
-            <a:r>
-              <a:rPr lang="en-US" sz="1200" b="1" i="1" u="sng" dirty="0" smtClean="0">
-                <a:hlinkClick r:id="rId3"/>
-              </a:rPr>
-              <a:t>nterpreter</a:t>
-            </a:r>
-            <a:r>
-              <a:rPr lang="en-US" sz="1200" b="1" dirty="0" smtClean="0"/>
-              <a:t>.</a:t>
-            </a:r>
+              <a:t> </a:t>
+            </a:r>
+            <a:r>
+              <a:rPr lang="en-US" sz="1200" dirty="0" smtClean="0"/>
+              <a:t>         </a:t>
+            </a:r>
+            <a:r>
+              <a:rPr lang="en-US" sz="1200" dirty="0" smtClean="0"/>
+              <a:t>JVM Java virtual memory is a very </a:t>
+            </a:r>
+            <a:r>
+              <a:rPr lang="en-US" sz="1200" dirty="0" smtClean="0"/>
+              <a:t>important part of both JDK and JRE because it is contained or inbuilt in both. Whatever Java program you run using JRE or JDK goes into JVM and JVM is responsible for executing the java program line by line, hence it is also known as an </a:t>
+            </a:r>
+            <a:r>
+              <a:rPr lang="en-US" sz="1200" b="1" u="sng" dirty="0" smtClean="0"/>
+              <a:t>interpreter</a:t>
+            </a:r>
+            <a:endParaRPr lang="en-US" sz="1200" b="1" dirty="0" smtClean="0"/>
           </a:p>
           <a:p>
             <a:pPr fontAlgn="base">
